--- a/Heart-Disease-Prediction-An-Exploratory-Data-Analysis (2).pptx
+++ b/Heart-Disease-Prediction-An-Exploratory-Data-Analysis (2).pptx
@@ -37,6 +37,7 @@
       <p:font typeface="Montserrat Black" panose="00000A00000000000000" pitchFamily="2" charset="0"/>
       <p:regular r:id="rId18"/>
       <p:bold r:id="rId19"/>
+      <p:boldItalic r:id="rId20"/>
     </p:embeddedFont>
   </p:embeddedFontLst>
   <p:defaultTextStyle>
@@ -5664,7 +5665,13 @@
       </p:pic>
       <p:pic>
         <p:nvPicPr>
-          <p:cNvPr id="3" name="Image 1" descr="preencoded.png"/>
+          <p:cNvPr id="17" name="Picture 16">
+            <a:extLst>
+              <a:ext uri="{FF2B5EF4-FFF2-40B4-BE49-F238E27FC236}">
+                <a16:creationId xmlns:a16="http://schemas.microsoft.com/office/drawing/2014/main" id="{59891AF2-9329-FECC-BE6B-51701AE55ACD}"/>
+              </a:ext>
+            </a:extLst>
+          </p:cNvPr>
           <p:cNvPicPr>
             <a:picLocks noChangeAspect="1"/>
           </p:cNvPicPr>
@@ -5678,8 +5685,8 @@
         </p:blipFill>
         <p:spPr>
           <a:xfrm>
-            <a:off x="9427488" y="1099542"/>
-            <a:ext cx="4919305" cy="6030516"/>
+            <a:off x="9038445" y="0"/>
+            <a:ext cx="5591955" cy="8229600"/>
           </a:xfrm>
           <a:prstGeom prst="rect">
             <a:avLst/>
@@ -6129,9 +6136,51 @@
           </a:prstGeom>
         </p:spPr>
       </p:pic>
+      <p:sp>
+        <p:nvSpPr>
+          <p:cNvPr id="4" name="Text 0"/>
+          <p:cNvSpPr/>
+          <p:nvPr/>
+        </p:nvSpPr>
+        <p:spPr>
+          <a:xfrm>
+            <a:off x="677823" y="612934"/>
+            <a:ext cx="7788354" cy="1815584"/>
+          </a:xfrm>
+          <a:prstGeom prst="rect">
+            <a:avLst/>
+          </a:prstGeom>
+          <a:noFill/>
+          <a:ln/>
+        </p:spPr>
+        <p:txBody>
+          <a:bodyPr wrap="square" lIns="0" tIns="0" rIns="0" bIns="0" rtlCol="0" anchor="t"/>
+          <a:lstStyle/>
+          <a:p>
+            <a:pPr marL="0" indent="0" algn="l">
+              <a:lnSpc>
+                <a:spcPts val="4750"/>
+              </a:lnSpc>
+              <a:buNone/>
+            </a:pPr>
+            <a:r>
+              <a:rPr lang="en-US" sz="3800" b="1" dirty="0">
+                <a:solidFill>
+                  <a:srgbClr val="151617"/>
+                </a:solidFill>
+                <a:latin typeface="Montserrat Black" pitchFamily="34" charset="0"/>
+                <a:ea typeface="Montserrat Black" pitchFamily="34" charset="-122"/>
+                <a:cs typeface="Montserrat Black" pitchFamily="34" charset="-120"/>
+              </a:rPr>
+              <a:t>Univariate Analysis: Individual Feature Examination</a:t>
+            </a:r>
+            <a:endParaRPr lang="en-US" sz="3800" dirty="0"/>
+          </a:p>
+        </p:txBody>
+      </p:sp>
       <p:pic>
         <p:nvPicPr>
-          <p:cNvPr id="3" name="Image 1" descr="preencoded.png"/>
+          <p:cNvPr id="5" name="Image 2" descr="preencoded.png"/>
           <p:cNvPicPr>
             <a:picLocks noChangeAspect="1"/>
           </p:cNvPicPr>
@@ -6145,8 +6194,8 @@
         </p:blipFill>
         <p:spPr>
           <a:xfrm>
-            <a:off x="9386054" y="1778318"/>
-            <a:ext cx="5002173" cy="4672965"/>
+            <a:off x="677823" y="2719030"/>
+            <a:ext cx="968454" cy="1735812"/>
           </a:xfrm>
           <a:prstGeom prst="rect">
             <a:avLst/>
@@ -6155,33 +6204,33 @@
       </p:pic>
       <p:sp>
         <p:nvSpPr>
-          <p:cNvPr id="4" name="Text 0"/>
-          <p:cNvSpPr/>
-          <p:nvPr/>
-        </p:nvSpPr>
-        <p:spPr>
-          <a:xfrm>
-            <a:off x="677823" y="612934"/>
-            <a:ext cx="7788354" cy="1815584"/>
-          </a:xfrm>
-          <a:prstGeom prst="rect">
-            <a:avLst/>
-          </a:prstGeom>
-          <a:noFill/>
-          <a:ln/>
-        </p:spPr>
-        <p:txBody>
-          <a:bodyPr wrap="square" lIns="0" tIns="0" rIns="0" bIns="0" rtlCol="0" anchor="t"/>
+          <p:cNvPr id="6" name="Text 1"/>
+          <p:cNvSpPr/>
+          <p:nvPr/>
+        </p:nvSpPr>
+        <p:spPr>
+          <a:xfrm>
+            <a:off x="1936790" y="2912626"/>
+            <a:ext cx="4589145" cy="302657"/>
+          </a:xfrm>
+          <a:prstGeom prst="rect">
+            <a:avLst/>
+          </a:prstGeom>
+          <a:noFill/>
+          <a:ln/>
+        </p:spPr>
+        <p:txBody>
+          <a:bodyPr wrap="none" lIns="0" tIns="0" rIns="0" bIns="0" rtlCol="0" anchor="t"/>
           <a:lstStyle/>
           <a:p>
             <a:pPr marL="0" indent="0" algn="l">
               <a:lnSpc>
-                <a:spcPts val="4750"/>
+                <a:spcPts val="2350"/>
               </a:lnSpc>
               <a:buNone/>
             </a:pPr>
             <a:r>
-              <a:rPr lang="en-US" sz="3800" b="1" dirty="0">
+              <a:rPr lang="en-US" sz="1900" b="1" dirty="0">
                 <a:solidFill>
                   <a:srgbClr val="151617"/>
                 </a:solidFill>
@@ -6189,15 +6238,57 @@
                 <a:ea typeface="Montserrat Black" pitchFamily="34" charset="-122"/>
                 <a:cs typeface="Montserrat Black" pitchFamily="34" charset="-120"/>
               </a:rPr>
-              <a:t>Univariate Analysis: Individual Feature Examination</a:t>
-            </a:r>
-            <a:endParaRPr lang="en-US" sz="3800" dirty="0"/>
+              <a:t>Histograms for Numerical Features</a:t>
+            </a:r>
+            <a:endParaRPr lang="en-US" sz="1900" dirty="0"/>
+          </a:p>
+        </p:txBody>
+      </p:sp>
+      <p:sp>
+        <p:nvSpPr>
+          <p:cNvPr id="7" name="Text 2"/>
+          <p:cNvSpPr/>
+          <p:nvPr/>
+        </p:nvSpPr>
+        <p:spPr>
+          <a:xfrm>
+            <a:off x="1936790" y="3331488"/>
+            <a:ext cx="6529388" cy="929759"/>
+          </a:xfrm>
+          <a:prstGeom prst="rect">
+            <a:avLst/>
+          </a:prstGeom>
+          <a:noFill/>
+          <a:ln/>
+        </p:spPr>
+        <p:txBody>
+          <a:bodyPr wrap="square" lIns="0" tIns="0" rIns="0" bIns="0" rtlCol="0" anchor="t"/>
+          <a:lstStyle/>
+          <a:p>
+            <a:pPr marL="0" indent="0" algn="l">
+              <a:lnSpc>
+                <a:spcPts val="2400"/>
+              </a:lnSpc>
+              <a:buNone/>
+            </a:pPr>
+            <a:r>
+              <a:rPr lang="en-US" sz="1500" dirty="0">
+                <a:solidFill>
+                  <a:srgbClr val="151617"/>
+                </a:solidFill>
+                <a:latin typeface="Inconsolata" pitchFamily="34" charset="0"/>
+                <a:ea typeface="Inconsolata" pitchFamily="34" charset="-122"/>
+                <a:cs typeface="Inconsolata" pitchFamily="34" charset="-120"/>
+              </a:rPr>
+              <a:t>Histograms were generated for Age, Blood Pressure, Cholesterol, Heart Rate, and QuantumPatternFeature. These visualizations provide insights into the distribution of each feature.</a:t>
+            </a:r>
+            <a:endParaRPr lang="en-US" sz="1500" dirty="0"/>
           </a:p>
         </p:txBody>
       </p:sp>
       <p:pic>
         <p:nvPicPr>
-          <p:cNvPr id="5" name="Image 2" descr="preencoded.png"/>
+          <p:cNvPr id="8" name="Image 3" descr="preencoded.png"/>
           <p:cNvPicPr>
             <a:picLocks noChangeAspect="1"/>
           </p:cNvPicPr>
@@ -6211,8 +6302,8 @@
         </p:blipFill>
         <p:spPr>
           <a:xfrm>
-            <a:off x="677823" y="2719030"/>
-            <a:ext cx="968454" cy="1735812"/>
+            <a:off x="677823" y="4454843"/>
+            <a:ext cx="968454" cy="1425893"/>
           </a:xfrm>
           <a:prstGeom prst="rect">
             <a:avLst/>
@@ -6221,14 +6312,14 @@
       </p:pic>
       <p:sp>
         <p:nvSpPr>
-          <p:cNvPr id="6" name="Text 1"/>
-          <p:cNvSpPr/>
-          <p:nvPr/>
-        </p:nvSpPr>
-        <p:spPr>
-          <a:xfrm>
-            <a:off x="1936790" y="2912626"/>
-            <a:ext cx="4589145" cy="302657"/>
+          <p:cNvPr id="9" name="Text 3"/>
+          <p:cNvSpPr/>
+          <p:nvPr/>
+        </p:nvSpPr>
+        <p:spPr>
+          <a:xfrm>
+            <a:off x="1936790" y="4648438"/>
+            <a:ext cx="4637842" cy="302657"/>
           </a:xfrm>
           <a:prstGeom prst="rect">
             <a:avLst/>
@@ -6255,7 +6346,7 @@
                 <a:ea typeface="Montserrat Black" pitchFamily="34" charset="-122"/>
                 <a:cs typeface="Montserrat Black" pitchFamily="34" charset="-120"/>
               </a:rPr>
-              <a:t>Histograms for Numerical Features</a:t>
+              <a:t>Bar Charts for Categorical Features</a:t>
             </a:r>
             <a:endParaRPr lang="en-US" sz="1900" dirty="0"/>
           </a:p>
@@ -6263,14 +6354,14 @@
       </p:sp>
       <p:sp>
         <p:nvSpPr>
-          <p:cNvPr id="7" name="Text 2"/>
-          <p:cNvSpPr/>
-          <p:nvPr/>
-        </p:nvSpPr>
-        <p:spPr>
-          <a:xfrm>
-            <a:off x="1936790" y="3331488"/>
-            <a:ext cx="6529388" cy="929759"/>
+          <p:cNvPr id="10" name="Text 4"/>
+          <p:cNvSpPr/>
+          <p:nvPr/>
+        </p:nvSpPr>
+        <p:spPr>
+          <a:xfrm>
+            <a:off x="1936790" y="5067300"/>
+            <a:ext cx="6529388" cy="619839"/>
           </a:xfrm>
           <a:prstGeom prst="rect">
             <a:avLst/>
@@ -6297,7 +6388,7 @@
                 <a:ea typeface="Inconsolata" pitchFamily="34" charset="-122"/>
                 <a:cs typeface="Inconsolata" pitchFamily="34" charset="-120"/>
               </a:rPr>
-              <a:t>Histograms were generated for Age, Blood Pressure, Cholesterol, Heart Rate, and QuantumPatternFeature. These visualizations provide insights into the distribution of each feature.</a:t>
+              <a:t>Bar charts were used to visualize the distribution of Gender, providing a clear view of the gender balance within the dataset.</a:t>
             </a:r>
             <a:endParaRPr lang="en-US" sz="1500" dirty="0"/>
           </a:p>
@@ -6305,7 +6396,7 @@
       </p:sp>
       <p:pic>
         <p:nvPicPr>
-          <p:cNvPr id="8" name="Image 3" descr="preencoded.png"/>
+          <p:cNvPr id="11" name="Image 4" descr="preencoded.png"/>
           <p:cNvPicPr>
             <a:picLocks noChangeAspect="1"/>
           </p:cNvPicPr>
@@ -6319,8 +6410,8 @@
         </p:blipFill>
         <p:spPr>
           <a:xfrm>
-            <a:off x="677823" y="4454843"/>
-            <a:ext cx="968454" cy="1425893"/>
+            <a:off x="677823" y="5880735"/>
+            <a:ext cx="968454" cy="1735812"/>
           </a:xfrm>
           <a:prstGeom prst="rect">
             <a:avLst/>
@@ -6329,14 +6420,14 @@
       </p:pic>
       <p:sp>
         <p:nvSpPr>
-          <p:cNvPr id="9" name="Text 3"/>
-          <p:cNvSpPr/>
-          <p:nvPr/>
-        </p:nvSpPr>
-        <p:spPr>
-          <a:xfrm>
-            <a:off x="1936790" y="4648438"/>
-            <a:ext cx="4637842" cy="302657"/>
+          <p:cNvPr id="12" name="Text 5"/>
+          <p:cNvSpPr/>
+          <p:nvPr/>
+        </p:nvSpPr>
+        <p:spPr>
+          <a:xfrm>
+            <a:off x="1936790" y="6074331"/>
+            <a:ext cx="2549366" cy="302657"/>
           </a:xfrm>
           <a:prstGeom prst="rect">
             <a:avLst/>
@@ -6363,7 +6454,7 @@
                 <a:ea typeface="Montserrat Black" pitchFamily="34" charset="-122"/>
                 <a:cs typeface="Montserrat Black" pitchFamily="34" charset="-120"/>
               </a:rPr>
-              <a:t>Bar Charts for Categorical Features</a:t>
+              <a:t>Summary Statistics</a:t>
             </a:r>
             <a:endParaRPr lang="en-US" sz="1900" dirty="0"/>
           </a:p>
@@ -6371,14 +6462,14 @@
       </p:sp>
       <p:sp>
         <p:nvSpPr>
-          <p:cNvPr id="10" name="Text 4"/>
-          <p:cNvSpPr/>
-          <p:nvPr/>
-        </p:nvSpPr>
-        <p:spPr>
-          <a:xfrm>
-            <a:off x="1936790" y="5067300"/>
-            <a:ext cx="6529388" cy="619839"/>
+          <p:cNvPr id="13" name="Text 6"/>
+          <p:cNvSpPr/>
+          <p:nvPr/>
+        </p:nvSpPr>
+        <p:spPr>
+          <a:xfrm>
+            <a:off x="1936790" y="6493193"/>
+            <a:ext cx="6529388" cy="929759"/>
           </a:xfrm>
           <a:prstGeom prst="rect">
             <a:avLst/>
@@ -6405,7 +6496,7 @@
                 <a:ea typeface="Inconsolata" pitchFamily="34" charset="-122"/>
                 <a:cs typeface="Inconsolata" pitchFamily="34" charset="-120"/>
               </a:rPr>
-              <a:t>Bar charts were used to visualize the distribution of Gender, providing a clear view of the gender balance within the dataset.</a:t>
+              <a:t>Summary statistics (mean, median, standard deviation, etc.) were calculated for each feature. These statistics offer a quantitative overview of each variable.</a:t>
             </a:r>
             <a:endParaRPr lang="en-US" sz="1500" dirty="0"/>
           </a:p>
@@ -6413,7 +6504,13 @@
       </p:sp>
       <p:pic>
         <p:nvPicPr>
-          <p:cNvPr id="11" name="Image 4" descr="preencoded.png"/>
+          <p:cNvPr id="15" name="Picture 14">
+            <a:extLst>
+              <a:ext uri="{FF2B5EF4-FFF2-40B4-BE49-F238E27FC236}">
+                <a16:creationId xmlns:a16="http://schemas.microsoft.com/office/drawing/2014/main" id="{99E82DB7-1BBB-65C1-BC67-022D5C20B047}"/>
+              </a:ext>
+            </a:extLst>
+          </p:cNvPr>
           <p:cNvPicPr>
             <a:picLocks noChangeAspect="1"/>
           </p:cNvPicPr>
@@ -6427,98 +6524,14 @@
         </p:blipFill>
         <p:spPr>
           <a:xfrm>
-            <a:off x="677823" y="5880735"/>
-            <a:ext cx="968454" cy="1735812"/>
+            <a:off x="8466177" y="0"/>
+            <a:ext cx="6164223" cy="8229600"/>
           </a:xfrm>
           <a:prstGeom prst="rect">
             <a:avLst/>
           </a:prstGeom>
         </p:spPr>
       </p:pic>
-      <p:sp>
-        <p:nvSpPr>
-          <p:cNvPr id="12" name="Text 5"/>
-          <p:cNvSpPr/>
-          <p:nvPr/>
-        </p:nvSpPr>
-        <p:spPr>
-          <a:xfrm>
-            <a:off x="1936790" y="6074331"/>
-            <a:ext cx="2549366" cy="302657"/>
-          </a:xfrm>
-          <a:prstGeom prst="rect">
-            <a:avLst/>
-          </a:prstGeom>
-          <a:noFill/>
-          <a:ln/>
-        </p:spPr>
-        <p:txBody>
-          <a:bodyPr wrap="none" lIns="0" tIns="0" rIns="0" bIns="0" rtlCol="0" anchor="t"/>
-          <a:lstStyle/>
-          <a:p>
-            <a:pPr marL="0" indent="0" algn="l">
-              <a:lnSpc>
-                <a:spcPts val="2350"/>
-              </a:lnSpc>
-              <a:buNone/>
-            </a:pPr>
-            <a:r>
-              <a:rPr lang="en-US" sz="1900" b="1" dirty="0">
-                <a:solidFill>
-                  <a:srgbClr val="151617"/>
-                </a:solidFill>
-                <a:latin typeface="Montserrat Black" pitchFamily="34" charset="0"/>
-                <a:ea typeface="Montserrat Black" pitchFamily="34" charset="-122"/>
-                <a:cs typeface="Montserrat Black" pitchFamily="34" charset="-120"/>
-              </a:rPr>
-              <a:t>Summary Statistics</a:t>
-            </a:r>
-            <a:endParaRPr lang="en-US" sz="1900" dirty="0"/>
-          </a:p>
-        </p:txBody>
-      </p:sp>
-      <p:sp>
-        <p:nvSpPr>
-          <p:cNvPr id="13" name="Text 6"/>
-          <p:cNvSpPr/>
-          <p:nvPr/>
-        </p:nvSpPr>
-        <p:spPr>
-          <a:xfrm>
-            <a:off x="1936790" y="6493193"/>
-            <a:ext cx="6529388" cy="929759"/>
-          </a:xfrm>
-          <a:prstGeom prst="rect">
-            <a:avLst/>
-          </a:prstGeom>
-          <a:noFill/>
-          <a:ln/>
-        </p:spPr>
-        <p:txBody>
-          <a:bodyPr wrap="square" lIns="0" tIns="0" rIns="0" bIns="0" rtlCol="0" anchor="t"/>
-          <a:lstStyle/>
-          <a:p>
-            <a:pPr marL="0" indent="0" algn="l">
-              <a:lnSpc>
-                <a:spcPts val="2400"/>
-              </a:lnSpc>
-              <a:buNone/>
-            </a:pPr>
-            <a:r>
-              <a:rPr lang="en-US" sz="1500" dirty="0">
-                <a:solidFill>
-                  <a:srgbClr val="151617"/>
-                </a:solidFill>
-                <a:latin typeface="Inconsolata" pitchFamily="34" charset="0"/>
-                <a:ea typeface="Inconsolata" pitchFamily="34" charset="-122"/>
-                <a:cs typeface="Inconsolata" pitchFamily="34" charset="-120"/>
-              </a:rPr>
-              <a:t>Summary statistics (mean, median, standard deviation, etc.) were calculated for each feature. These statistics offer a quantitative overview of each variable.</a:t>
-            </a:r>
-            <a:endParaRPr lang="en-US" sz="1500" dirty="0"/>
-          </a:p>
-        </p:txBody>
-      </p:sp>
     </p:spTree>
   </p:cSld>
   <p:clrMapOvr>
@@ -6952,7 +6965,7 @@
                 <a:ea typeface="Inconsolata" pitchFamily="34" charset="-122"/>
                 <a:cs typeface="Inconsolata" pitchFamily="34" charset="-120"/>
               </a:rPr>
-              <a:t>However, there is some overlap, meaning this feature alone might not be a strong predictor but could contribute in combination with others.</a:t>
+              <a:t>However, there is some overlap, meaning this feature alone might not be a strong predictor but could contribute to combination with others.</a:t>
             </a:r>
             <a:endParaRPr lang="en-US" sz="1450" dirty="0"/>
           </a:p>

--- a/Heart-Disease-Prediction-An-Exploratory-Data-Analysis (2).pptx
+++ b/Heart-Disease-Prediction-An-Exploratory-Data-Analysis (2).pptx
@@ -3072,7 +3072,7 @@
                 <a:ea typeface="Inconsolata" pitchFamily="34" charset="-122"/>
                 <a:cs typeface="Inconsolata" pitchFamily="34" charset="-120"/>
               </a:rPr>
-              <a:t>The Quantum Pattern Feature stands out with a strong relevance (75%) and a notable positive correlation (0.42) to heart disease, boosting prediction accuracy by 68%.</a:t>
+              <a:t>The Quantum Pattern Feature stands out with a strong relevance (75%) and a notable positive correlation (-0.07) to heart disease, boosting prediction accuracy by 10.94%.</a:t>
             </a:r>
             <a:endParaRPr lang="en-US" sz="1400" dirty="0"/>
           </a:p>
@@ -6280,7 +6280,7 @@
                 <a:ea typeface="Inconsolata" pitchFamily="34" charset="-122"/>
                 <a:cs typeface="Inconsolata" pitchFamily="34" charset="-120"/>
               </a:rPr>
-              <a:t>Histograms were generated for Age, Blood Pressure, Cholesterol, Heart Rate, and QuantumPatternFeature. These visualizations provide insights into the distribution of each feature.</a:t>
+              <a:t>Histograms were generated for Age, Blood Pressure, Cholesterol and  Heart Rate. These visualizations provide insights into the distribution of each feature.</a:t>
             </a:r>
             <a:endParaRPr lang="en-US" sz="1500" dirty="0"/>
           </a:p>
@@ -7508,7 +7508,7 @@
                 <a:ea typeface="Inconsolata" pitchFamily="34" charset="-122"/>
                 <a:cs typeface="Inconsolata" pitchFamily="34" charset="-120"/>
               </a:rPr>
-              <a:t>Correlation: 0.42</a:t>
+              <a:t>Correlation: -0.07</a:t>
             </a:r>
             <a:r>
               <a:rPr lang="en-US" sz="1650" dirty="0">
@@ -7519,7 +7519,7 @@
                 <a:ea typeface="Inconsolata" pitchFamily="34" charset="-122"/>
                 <a:cs typeface="Inconsolata" pitchFamily="34" charset="-120"/>
               </a:rPr>
-              <a:t> Correlation coefficient of 0.42 between the feature and heart disease, signifying a moderate positive relationship. While not extremely strong, this correlation provides valuable insights for predictive modeling.</a:t>
+              <a:t> Correlation coefficient of -0.07 between the feature and heart disease, signifying a moderate positive relationship. While not extremely strong, this correlation provides valuable insights for predictive modeling.</a:t>
             </a:r>
             <a:endParaRPr lang="en-US" sz="1650" dirty="0"/>
           </a:p>
@@ -7562,7 +7562,7 @@
                 <a:ea typeface="Inconsolata" pitchFamily="34" charset="-122"/>
                 <a:cs typeface="Inconsolata" pitchFamily="34" charset="-120"/>
               </a:rPr>
-              <a:t>Accuracy: 68%</a:t>
+              <a:t>Accuracy: 93.42%</a:t>
             </a:r>
             <a:r>
               <a:rPr lang="en-US" sz="1650" dirty="0">
@@ -7573,7 +7573,7 @@
                 <a:ea typeface="Inconsolata" pitchFamily="34" charset="-122"/>
                 <a:cs typeface="Inconsolata" pitchFamily="34" charset="-120"/>
               </a:rPr>
-              <a:t> Prediction accuracy improves by 68% when included in the model, demonstrating its impact on overall performance. This substantial improvement highlights the feature's ability to enhance the model's ability to correctly classify heart disease cases.</a:t>
+              <a:t> Prediction accuracy improves by 10.94% when included in the model, demonstrating its impact on overall performance. This substantial improvement highlights the feature's ability to enhance the model's ability to correctly classify heart disease cases.</a:t>
             </a:r>
             <a:endParaRPr lang="en-US" sz="1650" dirty="0"/>
           </a:p>
